--- a/documents/KEEP RUNNING.pptx
+++ b/documents/KEEP RUNNING.pptx
@@ -7,9 +7,9 @@
   <p:sldIdLst>
     <p:sldId id="256" r:id="rId2"/>
     <p:sldId id="257" r:id="rId3"/>
-    <p:sldId id="258" r:id="rId4"/>
-    <p:sldId id="260" r:id="rId5"/>
-    <p:sldId id="259" r:id="rId6"/>
+    <p:sldId id="260" r:id="rId4"/>
+    <p:sldId id="259" r:id="rId5"/>
+    <p:sldId id="263" r:id="rId6"/>
     <p:sldId id="262" r:id="rId7"/>
   </p:sldIdLst>
   <p:sldSz cx="12192000" cy="6858000"/>
@@ -109,6 +109,11 @@
       </a:defRPr>
     </a:lvl9pPr>
   </p:defaultTextStyle>
+  <p:extLst>
+    <p:ext uri="{EFAFB233-063F-42B5-8137-9DF3F51BA10A}">
+      <p15:sldGuideLst xmlns:p15="http://schemas.microsoft.com/office/powerpoint/2012/main"/>
+    </p:ext>
+  </p:extLst>
 </p:presentation>
 </file>
 
@@ -259,7 +264,7 @@
           <a:p>
             <a:fld id="{C6D7D12E-C1E4-43B7-961B-D07C77AAF9A7}" type="datetimeFigureOut">
               <a:rPr lang="pt-BR" smtClean="0"/>
-              <a:t>04/11/2022</a:t>
+              <a:t>25/11/2022</a:t>
             </a:fld>
             <a:endParaRPr lang="pt-BR"/>
           </a:p>
@@ -457,7 +462,7 @@
           <a:p>
             <a:fld id="{C6D7D12E-C1E4-43B7-961B-D07C77AAF9A7}" type="datetimeFigureOut">
               <a:rPr lang="pt-BR" smtClean="0"/>
-              <a:t>04/11/2022</a:t>
+              <a:t>25/11/2022</a:t>
             </a:fld>
             <a:endParaRPr lang="pt-BR"/>
           </a:p>
@@ -665,7 +670,7 @@
           <a:p>
             <a:fld id="{C6D7D12E-C1E4-43B7-961B-D07C77AAF9A7}" type="datetimeFigureOut">
               <a:rPr lang="pt-BR" smtClean="0"/>
-              <a:t>04/11/2022</a:t>
+              <a:t>25/11/2022</a:t>
             </a:fld>
             <a:endParaRPr lang="pt-BR"/>
           </a:p>
@@ -863,7 +868,7 @@
           <a:p>
             <a:fld id="{C6D7D12E-C1E4-43B7-961B-D07C77AAF9A7}" type="datetimeFigureOut">
               <a:rPr lang="pt-BR" smtClean="0"/>
-              <a:t>04/11/2022</a:t>
+              <a:t>25/11/2022</a:t>
             </a:fld>
             <a:endParaRPr lang="pt-BR"/>
           </a:p>
@@ -1138,7 +1143,7 @@
           <a:p>
             <a:fld id="{C6D7D12E-C1E4-43B7-961B-D07C77AAF9A7}" type="datetimeFigureOut">
               <a:rPr lang="pt-BR" smtClean="0"/>
-              <a:t>04/11/2022</a:t>
+              <a:t>25/11/2022</a:t>
             </a:fld>
             <a:endParaRPr lang="pt-BR"/>
           </a:p>
@@ -1403,7 +1408,7 @@
           <a:p>
             <a:fld id="{C6D7D12E-C1E4-43B7-961B-D07C77AAF9A7}" type="datetimeFigureOut">
               <a:rPr lang="pt-BR" smtClean="0"/>
-              <a:t>04/11/2022</a:t>
+              <a:t>25/11/2022</a:t>
             </a:fld>
             <a:endParaRPr lang="pt-BR"/>
           </a:p>
@@ -1815,7 +1820,7 @@
           <a:p>
             <a:fld id="{C6D7D12E-C1E4-43B7-961B-D07C77AAF9A7}" type="datetimeFigureOut">
               <a:rPr lang="pt-BR" smtClean="0"/>
-              <a:t>04/11/2022</a:t>
+              <a:t>25/11/2022</a:t>
             </a:fld>
             <a:endParaRPr lang="pt-BR"/>
           </a:p>
@@ -1956,7 +1961,7 @@
           <a:p>
             <a:fld id="{C6D7D12E-C1E4-43B7-961B-D07C77AAF9A7}" type="datetimeFigureOut">
               <a:rPr lang="pt-BR" smtClean="0"/>
-              <a:t>04/11/2022</a:t>
+              <a:t>25/11/2022</a:t>
             </a:fld>
             <a:endParaRPr lang="pt-BR"/>
           </a:p>
@@ -2069,7 +2074,7 @@
           <a:p>
             <a:fld id="{C6D7D12E-C1E4-43B7-961B-D07C77AAF9A7}" type="datetimeFigureOut">
               <a:rPr lang="pt-BR" smtClean="0"/>
-              <a:t>04/11/2022</a:t>
+              <a:t>25/11/2022</a:t>
             </a:fld>
             <a:endParaRPr lang="pt-BR"/>
           </a:p>
@@ -2380,7 +2385,7 @@
           <a:p>
             <a:fld id="{C6D7D12E-C1E4-43B7-961B-D07C77AAF9A7}" type="datetimeFigureOut">
               <a:rPr lang="pt-BR" smtClean="0"/>
-              <a:t>04/11/2022</a:t>
+              <a:t>25/11/2022</a:t>
             </a:fld>
             <a:endParaRPr lang="pt-BR"/>
           </a:p>
@@ -2668,7 +2673,7 @@
           <a:p>
             <a:fld id="{C6D7D12E-C1E4-43B7-961B-D07C77AAF9A7}" type="datetimeFigureOut">
               <a:rPr lang="pt-BR" smtClean="0"/>
-              <a:t>04/11/2022</a:t>
+              <a:t>25/11/2022</a:t>
             </a:fld>
             <a:endParaRPr lang="pt-BR"/>
           </a:p>
@@ -2909,7 +2914,7 @@
           <a:p>
             <a:fld id="{C6D7D12E-C1E4-43B7-961B-D07C77AAF9A7}" type="datetimeFigureOut">
               <a:rPr lang="pt-BR" smtClean="0"/>
-              <a:t>04/11/2022</a:t>
+              <a:t>25/11/2022</a:t>
             </a:fld>
             <a:endParaRPr lang="pt-BR"/>
           </a:p>
@@ -4122,7 +4127,7 @@
       </p:grpSpPr>
       <p:sp>
         <p:nvSpPr>
-          <p:cNvPr id="7" name="Rectangle 6">
+          <p:cNvPr id="27" name="Rectangle 26">
             <a:extLst>
               <a:ext uri="{FF2B5EF4-FFF2-40B4-BE49-F238E27FC236}">
                 <a16:creationId xmlns:a16="http://schemas.microsoft.com/office/drawing/2014/main" id="{FB5B0058-AF13-4859-B429-4EDDE2A26F7F}"/>
@@ -4182,379 +4187,6 @@
           <a:lstStyle/>
           <a:p>
             <a:pPr algn="ctr"/>
-            <a:endParaRPr lang="en-US" dirty="0">
-              <a:solidFill>
-                <a:schemeClr val="bg1">
-                  <a:lumMod val="50000"/>
-                </a:schemeClr>
-              </a:solidFill>
-            </a:endParaRPr>
-          </a:p>
-        </p:txBody>
-      </p:sp>
-      <p:sp>
-        <p:nvSpPr>
-          <p:cNvPr id="2" name="Título 1">
-            <a:extLst>
-              <a:ext uri="{FF2B5EF4-FFF2-40B4-BE49-F238E27FC236}">
-                <a16:creationId xmlns:a16="http://schemas.microsoft.com/office/drawing/2014/main" id="{5E6413D5-AFE0-B724-D4D5-C8E335230BD6}"/>
-              </a:ext>
-            </a:extLst>
-          </p:cNvPr>
-          <p:cNvSpPr>
-            <a:spLocks noGrp="1"/>
-          </p:cNvSpPr>
-          <p:nvPr>
-            <p:ph type="title"/>
-          </p:nvPr>
-        </p:nvSpPr>
-        <p:spPr>
-          <a:xfrm>
-            <a:off x="2060147" y="566868"/>
-            <a:ext cx="8071706" cy="1076245"/>
-          </a:xfrm>
-        </p:spPr>
-        <p:txBody>
-          <a:bodyPr vert="horz" lIns="91440" tIns="45720" rIns="91440" bIns="45720" rtlCol="0" anchor="b">
-            <a:normAutofit/>
-          </a:bodyPr>
-          <a:lstStyle/>
-          <a:p>
-            <a:pPr algn="ctr"/>
-            <a:r>
-              <a:rPr lang="en-US" sz="6600" kern="1200">
-                <a:solidFill>
-                  <a:schemeClr val="bg1"/>
-                </a:solidFill>
-                <a:latin typeface="+mj-lt"/>
-                <a:ea typeface="+mj-ea"/>
-                <a:cs typeface="+mj-cs"/>
-              </a:rPr>
-              <a:t>modalidades</a:t>
-            </a:r>
-            <a:endParaRPr lang="en-US" sz="6600" kern="1200" dirty="0">
-              <a:solidFill>
-                <a:schemeClr val="bg1"/>
-              </a:solidFill>
-              <a:latin typeface="+mj-lt"/>
-              <a:ea typeface="+mj-ea"/>
-              <a:cs typeface="+mj-cs"/>
-            </a:endParaRPr>
-          </a:p>
-        </p:txBody>
-      </p:sp>
-      <p:cxnSp>
-        <p:nvCxnSpPr>
-          <p:cNvPr id="9" name="Straight Connector 8">
-            <a:extLst>
-              <a:ext uri="{FF2B5EF4-FFF2-40B4-BE49-F238E27FC236}">
-                <a16:creationId xmlns:a16="http://schemas.microsoft.com/office/drawing/2014/main" id="{EC4521DE-248E-440D-AAD6-FD9E7D34B3BF}"/>
-              </a:ext>
-              <a:ext uri="{C183D7F6-B498-43B3-948B-1728B52AA6E4}">
-                <adec:decorative xmlns:adec="http://schemas.microsoft.com/office/drawing/2017/decorative" val="1"/>
-              </a:ext>
-            </a:extLst>
-          </p:cNvPr>
-          <p:cNvCxnSpPr>
-            <a:cxnSpLocks noGrp="1" noRot="1" noChangeAspect="1" noMove="1" noResize="1" noEditPoints="1" noAdjustHandles="1" noChangeArrowheads="1" noChangeShapeType="1"/>
-          </p:cNvCxnSpPr>
-          <p:nvPr>
-            <p:extLst>
-              <p:ext uri="{386F3935-93C4-4BCD-93E2-E3B085C9AB24}">
-                <p16:designElem xmlns:p16="http://schemas.microsoft.com/office/powerpoint/2015/main" val="1"/>
-              </p:ext>
-            </p:extLst>
-          </p:nvPr>
-        </p:nvCxnSpPr>
-        <p:spPr>
-          <a:xfrm>
-            <a:off x="585285" y="0"/>
-            <a:ext cx="0" cy="6858000"/>
-          </a:xfrm>
-          <a:prstGeom prst="line">
-            <a:avLst/>
-          </a:prstGeom>
-          <a:ln w="12700">
-            <a:solidFill>
-              <a:schemeClr val="accent2"/>
-            </a:solidFill>
-          </a:ln>
-        </p:spPr>
-        <p:style>
-          <a:lnRef idx="1">
-            <a:schemeClr val="accent1"/>
-          </a:lnRef>
-          <a:fillRef idx="0">
-            <a:schemeClr val="accent1"/>
-          </a:fillRef>
-          <a:effectRef idx="0">
-            <a:schemeClr val="accent1"/>
-          </a:effectRef>
-          <a:fontRef idx="minor">
-            <a:schemeClr val="tx1"/>
-          </a:fontRef>
-        </p:style>
-      </p:cxnSp>
-      <p:cxnSp>
-        <p:nvCxnSpPr>
-          <p:cNvPr id="11" name="Straight Connector 10">
-            <a:extLst>
-              <a:ext uri="{FF2B5EF4-FFF2-40B4-BE49-F238E27FC236}">
-                <a16:creationId xmlns:a16="http://schemas.microsoft.com/office/drawing/2014/main" id="{442C13FA-4C0F-42D0-9626-5BA6040D8C31}"/>
-              </a:ext>
-              <a:ext uri="{C183D7F6-B498-43B3-948B-1728B52AA6E4}">
-                <adec:decorative xmlns:adec="http://schemas.microsoft.com/office/drawing/2017/decorative" val="1"/>
-              </a:ext>
-            </a:extLst>
-          </p:cNvPr>
-          <p:cNvCxnSpPr>
-            <a:cxnSpLocks noGrp="1" noRot="1" noChangeAspect="1" noMove="1" noResize="1" noEditPoints="1" noAdjustHandles="1" noChangeArrowheads="1" noChangeShapeType="1"/>
-          </p:cNvCxnSpPr>
-          <p:nvPr>
-            <p:extLst>
-              <p:ext uri="{386F3935-93C4-4BCD-93E2-E3B085C9AB24}">
-                <p16:designElem xmlns:p16="http://schemas.microsoft.com/office/powerpoint/2015/main" val="1"/>
-              </p:ext>
-            </p:extLst>
-          </p:nvPr>
-        </p:nvCxnSpPr>
-        <p:spPr>
-          <a:xfrm flipH="1">
-            <a:off x="0" y="6252485"/>
-            <a:ext cx="12192000" cy="0"/>
-          </a:xfrm>
-          <a:prstGeom prst="line">
-            <a:avLst/>
-          </a:prstGeom>
-          <a:ln w="12700">
-            <a:solidFill>
-              <a:schemeClr val="accent2"/>
-            </a:solidFill>
-          </a:ln>
-        </p:spPr>
-        <p:style>
-          <a:lnRef idx="1">
-            <a:schemeClr val="accent1"/>
-          </a:lnRef>
-          <a:fillRef idx="0">
-            <a:schemeClr val="accent1"/>
-          </a:fillRef>
-          <a:effectRef idx="0">
-            <a:schemeClr val="accent1"/>
-          </a:effectRef>
-          <a:fontRef idx="minor">
-            <a:schemeClr val="tx1"/>
-          </a:fontRef>
-        </p:style>
-      </p:cxnSp>
-      <p:pic>
-        <p:nvPicPr>
-          <p:cNvPr id="4" name="Imagem 3" descr="Mulher com raquete de tênis em quadra de tênis&#10;&#10;Descrição gerada automaticamente">
-            <a:extLst>
-              <a:ext uri="{FF2B5EF4-FFF2-40B4-BE49-F238E27FC236}">
-                <a16:creationId xmlns:a16="http://schemas.microsoft.com/office/drawing/2014/main" id="{9B273156-B5DA-83BD-AB26-F97F194E5297}"/>
-              </a:ext>
-            </a:extLst>
-          </p:cNvPr>
-          <p:cNvPicPr>
-            <a:picLocks noChangeAspect="1"/>
-          </p:cNvPicPr>
-          <p:nvPr/>
-        </p:nvPicPr>
-        <p:blipFill>
-          <a:blip r:embed="rId2">
-            <a:extLst>
-              <a:ext uri="{28A0092B-C50C-407E-A947-70E740481C1C}">
-                <a14:useLocalDpi xmlns:a14="http://schemas.microsoft.com/office/drawing/2010/main" val="0"/>
-              </a:ext>
-            </a:extLst>
-          </a:blip>
-          <a:stretch>
-            <a:fillRect/>
-          </a:stretch>
-        </p:blipFill>
-        <p:spPr>
-          <a:xfrm>
-            <a:off x="4656811" y="2318802"/>
-            <a:ext cx="2878377" cy="1918918"/>
-          </a:xfrm>
-          <a:prstGeom prst="rect">
-            <a:avLst/>
-          </a:prstGeom>
-        </p:spPr>
-      </p:pic>
-      <p:pic>
-        <p:nvPicPr>
-          <p:cNvPr id="6" name="Imagem 5" descr="Pessoas andando na rua&#10;&#10;Descrição gerada automaticamente">
-            <a:extLst>
-              <a:ext uri="{FF2B5EF4-FFF2-40B4-BE49-F238E27FC236}">
-                <a16:creationId xmlns:a16="http://schemas.microsoft.com/office/drawing/2014/main" id="{6B1DC026-699E-F532-B48C-63CB2593FB70}"/>
-              </a:ext>
-            </a:extLst>
-          </p:cNvPr>
-          <p:cNvPicPr>
-            <a:picLocks noChangeAspect="1"/>
-          </p:cNvPicPr>
-          <p:nvPr/>
-        </p:nvPicPr>
-        <p:blipFill>
-          <a:blip r:embed="rId3">
-            <a:extLst>
-              <a:ext uri="{28A0092B-C50C-407E-A947-70E740481C1C}">
-                <a14:useLocalDpi xmlns:a14="http://schemas.microsoft.com/office/drawing/2010/main" val="0"/>
-              </a:ext>
-            </a:extLst>
-          </a:blip>
-          <a:stretch>
-            <a:fillRect/>
-          </a:stretch>
-        </p:blipFill>
-        <p:spPr>
-          <a:xfrm>
-            <a:off x="8424405" y="2301883"/>
-            <a:ext cx="2878377" cy="1901999"/>
-          </a:xfrm>
-          <a:prstGeom prst="rect">
-            <a:avLst/>
-          </a:prstGeom>
-        </p:spPr>
-      </p:pic>
-      <p:pic>
-        <p:nvPicPr>
-          <p:cNvPr id="10" name="Imagem 9" descr="Homem e mulher em pé posando para foto&#10;&#10;Descrição gerada automaticamente">
-            <a:extLst>
-              <a:ext uri="{FF2B5EF4-FFF2-40B4-BE49-F238E27FC236}">
-                <a16:creationId xmlns:a16="http://schemas.microsoft.com/office/drawing/2014/main" id="{F009868F-305D-3699-2EF0-651A484D4A74}"/>
-              </a:ext>
-            </a:extLst>
-          </p:cNvPr>
-          <p:cNvPicPr>
-            <a:picLocks noChangeAspect="1"/>
-          </p:cNvPicPr>
-          <p:nvPr/>
-        </p:nvPicPr>
-        <p:blipFill>
-          <a:blip r:embed="rId4">
-            <a:extLst>
-              <a:ext uri="{28A0092B-C50C-407E-A947-70E740481C1C}">
-                <a14:useLocalDpi xmlns:a14="http://schemas.microsoft.com/office/drawing/2010/main" val="0"/>
-              </a:ext>
-            </a:extLst>
-          </a:blip>
-          <a:stretch>
-            <a:fillRect/>
-          </a:stretch>
-        </p:blipFill>
-        <p:spPr>
-          <a:xfrm>
-            <a:off x="889216" y="2318802"/>
-            <a:ext cx="2878377" cy="1918918"/>
-          </a:xfrm>
-          <a:prstGeom prst="rect">
-            <a:avLst/>
-          </a:prstGeom>
-        </p:spPr>
-      </p:pic>
-    </p:spTree>
-    <p:extLst>
-      <p:ext uri="{BB962C8B-B14F-4D97-AF65-F5344CB8AC3E}">
-        <p14:creationId xmlns:p14="http://schemas.microsoft.com/office/powerpoint/2010/main" val="2223951747"/>
-      </p:ext>
-    </p:extLst>
-  </p:cSld>
-  <p:clrMapOvr>
-    <a:masterClrMapping/>
-  </p:clrMapOvr>
-</p:sld>
-</file>
-
-<file path=ppt/slides/slide4.xml><?xml version="1.0" encoding="utf-8"?>
-<p:sld xmlns:a="http://schemas.openxmlformats.org/drawingml/2006/main" xmlns:r="http://schemas.openxmlformats.org/officeDocument/2006/relationships" xmlns:p="http://schemas.openxmlformats.org/presentationml/2006/main">
-  <p:cSld>
-    <p:bg>
-      <p:bgPr>
-        <a:solidFill>
-          <a:schemeClr val="bg1"/>
-        </a:solidFill>
-        <a:effectLst/>
-      </p:bgPr>
-    </p:bg>
-    <p:spTree>
-      <p:nvGrpSpPr>
-        <p:cNvPr id="1" name=""/>
-        <p:cNvGrpSpPr/>
-        <p:nvPr/>
-      </p:nvGrpSpPr>
-      <p:grpSpPr>
-        <a:xfrm>
-          <a:off x="0" y="0"/>
-          <a:ext cx="0" cy="0"/>
-          <a:chOff x="0" y="0"/>
-          <a:chExt cx="0" cy="0"/>
-        </a:xfrm>
-      </p:grpSpPr>
-      <p:sp>
-        <p:nvSpPr>
-          <p:cNvPr id="27" name="Rectangle 26">
-            <a:extLst>
-              <a:ext uri="{FF2B5EF4-FFF2-40B4-BE49-F238E27FC236}">
-                <a16:creationId xmlns:a16="http://schemas.microsoft.com/office/drawing/2014/main" id="{FB5B0058-AF13-4859-B429-4EDDE2A26F7F}"/>
-              </a:ext>
-              <a:ext uri="{C183D7F6-B498-43B3-948B-1728B52AA6E4}">
-                <adec:decorative xmlns:adec="http://schemas.microsoft.com/office/drawing/2017/decorative" val="1"/>
-              </a:ext>
-            </a:extLst>
-          </p:cNvPr>
-          <p:cNvSpPr>
-            <a:spLocks noGrp="1" noRot="1" noChangeAspect="1" noMove="1" noResize="1" noEditPoints="1" noAdjustHandles="1" noChangeArrowheads="1" noChangeShapeType="1" noTextEdit="1"/>
-          </p:cNvSpPr>
-          <p:nvPr>
-            <p:extLst>
-              <p:ext uri="{386F3935-93C4-4BCD-93E2-E3B085C9AB24}">
-                <p16:designElem xmlns:p16="http://schemas.microsoft.com/office/powerpoint/2015/main" val="1"/>
-              </p:ext>
-            </p:extLst>
-          </p:nvPr>
-        </p:nvSpPr>
-        <p:spPr>
-          <a:xfrm>
-            <a:off x="0" y="0"/>
-            <a:ext cx="12192000" cy="6858000"/>
-          </a:xfrm>
-          <a:prstGeom prst="rect">
-            <a:avLst/>
-          </a:prstGeom>
-          <a:solidFill>
-            <a:schemeClr val="tx1">
-              <a:lumMod val="95000"/>
-              <a:lumOff val="5000"/>
-            </a:schemeClr>
-          </a:solidFill>
-          <a:ln>
-            <a:noFill/>
-          </a:ln>
-        </p:spPr>
-        <p:style>
-          <a:lnRef idx="2">
-            <a:schemeClr val="accent1">
-              <a:shade val="50000"/>
-            </a:schemeClr>
-          </a:lnRef>
-          <a:fillRef idx="1">
-            <a:schemeClr val="accent1"/>
-          </a:fillRef>
-          <a:effectRef idx="0">
-            <a:schemeClr val="accent1"/>
-          </a:effectRef>
-          <a:fontRef idx="minor">
-            <a:schemeClr val="lt1"/>
-          </a:fontRef>
-        </p:style>
-        <p:txBody>
-          <a:bodyPr rtlCol="0" anchor="ctr"/>
-          <a:lstStyle/>
-          <a:p>
-            <a:pPr algn="ctr"/>
             <a:endParaRPr lang="en-US" dirty="0"/>
           </a:p>
         </p:txBody>
@@ -4588,12 +4220,12 @@
           <a:lstStyle/>
           <a:p>
             <a:r>
-              <a:rPr lang="en-US" sz="5000">
+              <a:rPr lang="en-US" sz="5000" dirty="0">
                 <a:solidFill>
                   <a:schemeClr val="bg1"/>
                 </a:solidFill>
               </a:rPr>
-              <a:t>ferramentas</a:t>
+              <a:t>Ferramentas</a:t>
             </a:r>
           </a:p>
         </p:txBody>
@@ -4920,7 +4552,7 @@
 </p:sld>
 </file>
 
-<file path=ppt/slides/slide5.xml><?xml version="1.0" encoding="utf-8"?>
+<file path=ppt/slides/slide4.xml><?xml version="1.0" encoding="utf-8"?>
 <p:sld xmlns:a="http://schemas.openxmlformats.org/drawingml/2006/main" xmlns:r="http://schemas.openxmlformats.org/officeDocument/2006/relationships" xmlns:p="http://schemas.openxmlformats.org/presentationml/2006/main">
   <p:cSld>
     <p:bg>
@@ -5151,10 +4783,411 @@
           </a:prstGeom>
         </p:spPr>
       </p:pic>
+      <p:sp>
+        <p:nvSpPr>
+          <p:cNvPr id="2" name="CaixaDeTexto 1">
+            <a:extLst>
+              <a:ext uri="{FF2B5EF4-FFF2-40B4-BE49-F238E27FC236}">
+                <a16:creationId xmlns:a16="http://schemas.microsoft.com/office/drawing/2014/main" id="{BE28D963-FC82-8FD5-91F8-CB3F9C539FFB}"/>
+              </a:ext>
+            </a:extLst>
+          </p:cNvPr>
+          <p:cNvSpPr txBox="1"/>
+          <p:nvPr/>
+        </p:nvSpPr>
+        <p:spPr>
+          <a:xfrm>
+            <a:off x="3400072" y="2551837"/>
+            <a:ext cx="3237186" cy="584775"/>
+          </a:xfrm>
+          <a:prstGeom prst="rect">
+            <a:avLst/>
+          </a:prstGeom>
+          <a:noFill/>
+        </p:spPr>
+        <p:txBody>
+          <a:bodyPr wrap="square" rtlCol="0">
+            <a:spAutoFit/>
+          </a:bodyPr>
+          <a:lstStyle/>
+          <a:p>
+            <a:r>
+              <a:rPr lang="pt-BR" sz="3200" dirty="0">
+                <a:solidFill>
+                  <a:schemeClr val="bg1"/>
+                </a:solidFill>
+              </a:rPr>
+              <a:t>Site</a:t>
+            </a:r>
+          </a:p>
+        </p:txBody>
+      </p:sp>
+      <p:sp>
+        <p:nvSpPr>
+          <p:cNvPr id="4" name="CaixaDeTexto 3">
+            <a:extLst>
+              <a:ext uri="{FF2B5EF4-FFF2-40B4-BE49-F238E27FC236}">
+                <a16:creationId xmlns:a16="http://schemas.microsoft.com/office/drawing/2014/main" id="{4179688F-A962-585A-04C2-47C888040E7A}"/>
+              </a:ext>
+            </a:extLst>
+          </p:cNvPr>
+          <p:cNvSpPr txBox="1"/>
+          <p:nvPr/>
+        </p:nvSpPr>
+        <p:spPr>
+          <a:xfrm>
+            <a:off x="8023875" y="4274311"/>
+            <a:ext cx="4118230" cy="584775"/>
+          </a:xfrm>
+          <a:prstGeom prst="rect">
+            <a:avLst/>
+          </a:prstGeom>
+          <a:noFill/>
+        </p:spPr>
+        <p:txBody>
+          <a:bodyPr wrap="square">
+            <a:spAutoFit/>
+          </a:bodyPr>
+          <a:lstStyle/>
+          <a:p>
+            <a:r>
+              <a:rPr lang="pt-BR" sz="3200" dirty="0">
+                <a:solidFill>
+                  <a:schemeClr val="bg1"/>
+                </a:solidFill>
+              </a:rPr>
+              <a:t>Institucional</a:t>
+            </a:r>
+            <a:endParaRPr lang="pt-BR" sz="3200" dirty="0"/>
+          </a:p>
+        </p:txBody>
+      </p:sp>
     </p:spTree>
     <p:extLst>
       <p:ext uri="{BB962C8B-B14F-4D97-AF65-F5344CB8AC3E}">
         <p14:creationId xmlns:p14="http://schemas.microsoft.com/office/powerpoint/2010/main" val="2957000961"/>
+      </p:ext>
+    </p:extLst>
+  </p:cSld>
+  <p:clrMapOvr>
+    <a:masterClrMapping/>
+  </p:clrMapOvr>
+</p:sld>
+</file>
+
+<file path=ppt/slides/slide5.xml><?xml version="1.0" encoding="utf-8"?>
+<p:sld xmlns:a="http://schemas.openxmlformats.org/drawingml/2006/main" xmlns:r="http://schemas.openxmlformats.org/officeDocument/2006/relationships" xmlns:p="http://schemas.openxmlformats.org/presentationml/2006/main">
+  <p:cSld>
+    <p:bg>
+      <p:bgPr>
+        <a:solidFill>
+          <a:schemeClr val="bg1"/>
+        </a:solidFill>
+        <a:effectLst/>
+      </p:bgPr>
+    </p:bg>
+    <p:spTree>
+      <p:nvGrpSpPr>
+        <p:cNvPr id="1" name=""/>
+        <p:cNvGrpSpPr/>
+        <p:nvPr/>
+      </p:nvGrpSpPr>
+      <p:grpSpPr>
+        <a:xfrm>
+          <a:off x="0" y="0"/>
+          <a:ext cx="0" cy="0"/>
+          <a:chOff x="0" y="0"/>
+          <a:chExt cx="0" cy="0"/>
+        </a:xfrm>
+      </p:grpSpPr>
+      <p:sp>
+        <p:nvSpPr>
+          <p:cNvPr id="7" name="Rectangle 6">
+            <a:extLst>
+              <a:ext uri="{FF2B5EF4-FFF2-40B4-BE49-F238E27FC236}">
+                <a16:creationId xmlns:a16="http://schemas.microsoft.com/office/drawing/2014/main" id="{FB5B0058-AF13-4859-B429-4EDDE2A26F7F}"/>
+              </a:ext>
+              <a:ext uri="{C183D7F6-B498-43B3-948B-1728B52AA6E4}">
+                <adec:decorative xmlns:adec="http://schemas.microsoft.com/office/drawing/2017/decorative" val="1"/>
+              </a:ext>
+            </a:extLst>
+          </p:cNvPr>
+          <p:cNvSpPr>
+            <a:spLocks noGrp="1" noRot="1" noChangeAspect="1" noMove="1" noResize="1" noEditPoints="1" noAdjustHandles="1" noChangeArrowheads="1" noChangeShapeType="1" noTextEdit="1"/>
+          </p:cNvSpPr>
+          <p:nvPr>
+            <p:extLst>
+              <p:ext uri="{386F3935-93C4-4BCD-93E2-E3B085C9AB24}">
+                <p16:designElem xmlns:p16="http://schemas.microsoft.com/office/powerpoint/2015/main" val="1"/>
+              </p:ext>
+            </p:extLst>
+          </p:nvPr>
+        </p:nvSpPr>
+        <p:spPr>
+          <a:xfrm>
+            <a:off x="0" y="0"/>
+            <a:ext cx="12192000" cy="6858000"/>
+          </a:xfrm>
+          <a:prstGeom prst="rect">
+            <a:avLst/>
+          </a:prstGeom>
+          <a:solidFill>
+            <a:schemeClr val="tx1">
+              <a:lumMod val="95000"/>
+              <a:lumOff val="5000"/>
+            </a:schemeClr>
+          </a:solidFill>
+          <a:ln>
+            <a:noFill/>
+          </a:ln>
+        </p:spPr>
+        <p:style>
+          <a:lnRef idx="2">
+            <a:schemeClr val="accent1">
+              <a:shade val="50000"/>
+            </a:schemeClr>
+          </a:lnRef>
+          <a:fillRef idx="1">
+            <a:schemeClr val="accent1"/>
+          </a:fillRef>
+          <a:effectRef idx="0">
+            <a:schemeClr val="accent1"/>
+          </a:effectRef>
+          <a:fontRef idx="minor">
+            <a:schemeClr val="lt1"/>
+          </a:fontRef>
+        </p:style>
+        <p:txBody>
+          <a:bodyPr rtlCol="0" anchor="ctr"/>
+          <a:lstStyle/>
+          <a:p>
+            <a:pPr algn="ctr"/>
+            <a:endParaRPr lang="en-US"/>
+          </a:p>
+        </p:txBody>
+      </p:sp>
+      <p:cxnSp>
+        <p:nvCxnSpPr>
+          <p:cNvPr id="9" name="Straight Connector 8">
+            <a:extLst>
+              <a:ext uri="{FF2B5EF4-FFF2-40B4-BE49-F238E27FC236}">
+                <a16:creationId xmlns:a16="http://schemas.microsoft.com/office/drawing/2014/main" id="{C4C8A451-B6C1-4CB1-95FC-2DBDEC61FF17}"/>
+              </a:ext>
+              <a:ext uri="{C183D7F6-B498-43B3-948B-1728B52AA6E4}">
+                <adec:decorative xmlns:adec="http://schemas.microsoft.com/office/drawing/2017/decorative" val="1"/>
+              </a:ext>
+            </a:extLst>
+          </p:cNvPr>
+          <p:cNvCxnSpPr>
+            <a:cxnSpLocks noGrp="1" noRot="1" noChangeAspect="1" noMove="1" noResize="1" noEditPoints="1" noAdjustHandles="1" noChangeArrowheads="1" noChangeShapeType="1"/>
+          </p:cNvCxnSpPr>
+          <p:nvPr>
+            <p:extLst>
+              <p:ext uri="{386F3935-93C4-4BCD-93E2-E3B085C9AB24}">
+                <p16:designElem xmlns:p16="http://schemas.microsoft.com/office/powerpoint/2015/main" val="1"/>
+              </p:ext>
+            </p:extLst>
+          </p:nvPr>
+        </p:nvCxnSpPr>
+        <p:spPr>
+          <a:xfrm flipH="1">
+            <a:off x="0" y="3068597"/>
+            <a:ext cx="7486022" cy="0"/>
+          </a:xfrm>
+          <a:prstGeom prst="line">
+            <a:avLst/>
+          </a:prstGeom>
+          <a:ln w="12700">
+            <a:solidFill>
+              <a:schemeClr val="accent2"/>
+            </a:solidFill>
+          </a:ln>
+        </p:spPr>
+        <p:style>
+          <a:lnRef idx="1">
+            <a:schemeClr val="accent1"/>
+          </a:lnRef>
+          <a:fillRef idx="0">
+            <a:schemeClr val="accent1"/>
+          </a:fillRef>
+          <a:effectRef idx="0">
+            <a:schemeClr val="accent1"/>
+          </a:effectRef>
+          <a:fontRef idx="minor">
+            <a:schemeClr val="tx1"/>
+          </a:fontRef>
+        </p:style>
+      </p:cxnSp>
+      <p:cxnSp>
+        <p:nvCxnSpPr>
+          <p:cNvPr id="11" name="Straight Connector 10">
+            <a:extLst>
+              <a:ext uri="{FF2B5EF4-FFF2-40B4-BE49-F238E27FC236}">
+                <a16:creationId xmlns:a16="http://schemas.microsoft.com/office/drawing/2014/main" id="{E8439DD6-1CCF-48C6-AF10-B7018793022A}"/>
+              </a:ext>
+              <a:ext uri="{C183D7F6-B498-43B3-948B-1728B52AA6E4}">
+                <adec:decorative xmlns:adec="http://schemas.microsoft.com/office/drawing/2017/decorative" val="1"/>
+              </a:ext>
+            </a:extLst>
+          </p:cNvPr>
+          <p:cNvCxnSpPr>
+            <a:cxnSpLocks noGrp="1" noRot="1" noChangeAspect="1" noMove="1" noResize="1" noEditPoints="1" noAdjustHandles="1" noChangeArrowheads="1" noChangeShapeType="1"/>
+          </p:cNvCxnSpPr>
+          <p:nvPr>
+            <p:extLst>
+              <p:ext uri="{386F3935-93C4-4BCD-93E2-E3B085C9AB24}">
+                <p16:designElem xmlns:p16="http://schemas.microsoft.com/office/powerpoint/2015/main" val="1"/>
+              </p:ext>
+            </p:extLst>
+          </p:nvPr>
+        </p:nvCxnSpPr>
+        <p:spPr>
+          <a:xfrm flipH="1">
+            <a:off x="6360607" y="4859086"/>
+            <a:ext cx="5831393" cy="0"/>
+          </a:xfrm>
+          <a:prstGeom prst="line">
+            <a:avLst/>
+          </a:prstGeom>
+          <a:ln w="12700">
+            <a:solidFill>
+              <a:schemeClr val="accent2"/>
+            </a:solidFill>
+          </a:ln>
+        </p:spPr>
+        <p:style>
+          <a:lnRef idx="1">
+            <a:schemeClr val="accent1"/>
+          </a:lnRef>
+          <a:fillRef idx="0">
+            <a:schemeClr val="accent1"/>
+          </a:fillRef>
+          <a:effectRef idx="0">
+            <a:schemeClr val="accent1"/>
+          </a:effectRef>
+          <a:fontRef idx="minor">
+            <a:schemeClr val="tx1"/>
+          </a:fontRef>
+        </p:style>
+      </p:cxnSp>
+      <p:sp>
+        <p:nvSpPr>
+          <p:cNvPr id="2" name="CaixaDeTexto 1">
+            <a:extLst>
+              <a:ext uri="{FF2B5EF4-FFF2-40B4-BE49-F238E27FC236}">
+                <a16:creationId xmlns:a16="http://schemas.microsoft.com/office/drawing/2014/main" id="{801A9B7C-C475-8425-2C02-567C7957888F}"/>
+              </a:ext>
+            </a:extLst>
+          </p:cNvPr>
+          <p:cNvSpPr txBox="1"/>
+          <p:nvPr/>
+        </p:nvSpPr>
+        <p:spPr>
+          <a:xfrm>
+            <a:off x="2543907" y="2504419"/>
+            <a:ext cx="2398207" cy="584775"/>
+          </a:xfrm>
+          <a:prstGeom prst="rect">
+            <a:avLst/>
+          </a:prstGeom>
+          <a:noFill/>
+        </p:spPr>
+        <p:txBody>
+          <a:bodyPr wrap="square" rtlCol="0">
+            <a:spAutoFit/>
+          </a:bodyPr>
+          <a:lstStyle/>
+          <a:p>
+            <a:r>
+              <a:rPr lang="pt-BR" sz="3200" dirty="0">
+                <a:solidFill>
+                  <a:schemeClr val="bg1"/>
+                </a:solidFill>
+              </a:rPr>
+              <a:t>Desafios</a:t>
+            </a:r>
+          </a:p>
+        </p:txBody>
+      </p:sp>
+      <p:sp>
+        <p:nvSpPr>
+          <p:cNvPr id="3" name="CaixaDeTexto 2">
+            <a:extLst>
+              <a:ext uri="{FF2B5EF4-FFF2-40B4-BE49-F238E27FC236}">
+                <a16:creationId xmlns:a16="http://schemas.microsoft.com/office/drawing/2014/main" id="{BC94F064-0F36-1779-3B7C-F03CD35C6F64}"/>
+              </a:ext>
+            </a:extLst>
+          </p:cNvPr>
+          <p:cNvSpPr txBox="1"/>
+          <p:nvPr/>
+        </p:nvSpPr>
+        <p:spPr>
+          <a:xfrm>
+            <a:off x="8077199" y="4274311"/>
+            <a:ext cx="2398207" cy="584775"/>
+          </a:xfrm>
+          <a:prstGeom prst="rect">
+            <a:avLst/>
+          </a:prstGeom>
+          <a:noFill/>
+        </p:spPr>
+        <p:txBody>
+          <a:bodyPr wrap="square" rtlCol="0">
+            <a:spAutoFit/>
+          </a:bodyPr>
+          <a:lstStyle/>
+          <a:p>
+            <a:r>
+              <a:rPr lang="pt-BR" sz="3200" dirty="0">
+                <a:solidFill>
+                  <a:schemeClr val="bg1"/>
+                </a:solidFill>
+              </a:rPr>
+              <a:t>Superações</a:t>
+            </a:r>
+          </a:p>
+        </p:txBody>
+      </p:sp>
+      <p:pic>
+        <p:nvPicPr>
+          <p:cNvPr id="16" name="Imagem 15" descr="Ícone&#10;&#10;Descrição gerada automaticamente">
+            <a:extLst>
+              <a:ext uri="{FF2B5EF4-FFF2-40B4-BE49-F238E27FC236}">
+                <a16:creationId xmlns:a16="http://schemas.microsoft.com/office/drawing/2014/main" id="{6C8BFA5E-1E52-6E00-8057-D878444CB901}"/>
+              </a:ext>
+            </a:extLst>
+          </p:cNvPr>
+          <p:cNvPicPr>
+            <a:picLocks noChangeAspect="1"/>
+          </p:cNvPicPr>
+          <p:nvPr/>
+        </p:nvPicPr>
+        <p:blipFill>
+          <a:blip r:embed="rId2">
+            <a:extLst>
+              <a:ext uri="{28A0092B-C50C-407E-A947-70E740481C1C}">
+                <a14:useLocalDpi xmlns:a14="http://schemas.microsoft.com/office/drawing/2010/main" val="0"/>
+              </a:ext>
+            </a:extLst>
+          </a:blip>
+          <a:stretch>
+            <a:fillRect/>
+          </a:stretch>
+        </p:blipFill>
+        <p:spPr>
+          <a:xfrm>
+            <a:off x="5402107" y="3269949"/>
+            <a:ext cx="1387786" cy="1387786"/>
+          </a:xfrm>
+          <a:prstGeom prst="rect">
+            <a:avLst/>
+          </a:prstGeom>
+        </p:spPr>
+      </p:pic>
+    </p:spTree>
+    <p:extLst>
+      <p:ext uri="{BB962C8B-B14F-4D97-AF65-F5344CB8AC3E}">
+        <p14:creationId xmlns:p14="http://schemas.microsoft.com/office/powerpoint/2010/main" val="3115632561"/>
       </p:ext>
     </p:extLst>
   </p:cSld>
@@ -5891,7 +5924,7 @@
         </p:nvSpPr>
         <p:spPr>
           <a:xfrm>
-            <a:off x="838200" y="5006779"/>
+            <a:off x="838200" y="5516211"/>
             <a:ext cx="5352294" cy="932992"/>
           </a:xfrm>
           <a:prstGeom prst="rect">
@@ -6096,6 +6129,74 @@
                 <a:cs typeface="+mn-cs"/>
               </a:rPr>
               <a:t>PEDRO GONÇALVES</a:t>
+            </a:r>
+          </a:p>
+        </p:txBody>
+      </p:sp>
+      <p:sp>
+        <p:nvSpPr>
+          <p:cNvPr id="8" name="CaixaDeTexto 7">
+            <a:extLst>
+              <a:ext uri="{FF2B5EF4-FFF2-40B4-BE49-F238E27FC236}">
+                <a16:creationId xmlns:a16="http://schemas.microsoft.com/office/drawing/2014/main" id="{74EA17B1-49F0-5CD4-B674-C447DD377439}"/>
+              </a:ext>
+            </a:extLst>
+          </p:cNvPr>
+          <p:cNvSpPr txBox="1"/>
+          <p:nvPr/>
+        </p:nvSpPr>
+        <p:spPr>
+          <a:xfrm>
+            <a:off x="838200" y="4812610"/>
+            <a:ext cx="4719670" cy="584775"/>
+          </a:xfrm>
+          <a:prstGeom prst="rect">
+            <a:avLst/>
+          </a:prstGeom>
+          <a:noFill/>
+        </p:spPr>
+        <p:txBody>
+          <a:bodyPr wrap="square" numCol="2" rtlCol="0">
+            <a:spAutoFit/>
+          </a:bodyPr>
+          <a:lstStyle/>
+          <a:p>
+            <a:pPr marL="285750" indent="-285750">
+              <a:buFont typeface="Arial" panose="020B0604020202020204" pitchFamily="34" charset="0"/>
+              <a:buChar char="•"/>
+            </a:pPr>
+            <a:r>
+              <a:rPr lang="pt-BR" sz="1400" dirty="0">
+                <a:solidFill>
+                  <a:schemeClr val="bg1"/>
+                </a:solidFill>
+              </a:rPr>
+              <a:t>JEFFERSON ARAUJO</a:t>
+            </a:r>
+          </a:p>
+          <a:p>
+            <a:pPr marL="285750" indent="-285750">
+              <a:buFont typeface="Arial" panose="020B0604020202020204" pitchFamily="34" charset="0"/>
+              <a:buChar char="•"/>
+            </a:pPr>
+            <a:endParaRPr lang="pt-BR" dirty="0">
+              <a:solidFill>
+                <a:schemeClr val="bg1"/>
+              </a:solidFill>
+            </a:endParaRPr>
+          </a:p>
+          <a:p>
+            <a:pPr marL="285750" indent="-285750">
+              <a:buFont typeface="Arial" panose="020B0604020202020204" pitchFamily="34" charset="0"/>
+              <a:buChar char="•"/>
+            </a:pPr>
+            <a:r>
+              <a:rPr lang="pt-BR" sz="1400" dirty="0">
+                <a:solidFill>
+                  <a:schemeClr val="bg1"/>
+                </a:solidFill>
+              </a:rPr>
+              <a:t>MURILO DOS SANTOS</a:t>
             </a:r>
           </a:p>
         </p:txBody>
